--- a/목록상세 실습.pptx
+++ b/목록상세 실습.pptx
@@ -197,7 +197,7 @@
           <a:p>
             <a:fld id="{CE426792-785E-40F4-BAE6-C6D2325CFEDA}" type="datetimeFigureOut">
               <a:rPr lang="ko-KR" altLang="en-US" smtClean="0"/>
-              <a:t>23-05-25</a:t>
+              <a:t>2023-05-25</a:t>
             </a:fld>
             <a:endParaRPr lang="ko-KR" altLang="en-US"/>
           </a:p>
@@ -611,7 +611,7 @@
           <a:p>
             <a:fld id="{F89B2ADE-916C-4CF5-80C7-78A417970858}" type="datetimeFigureOut">
               <a:rPr lang="ko-KR" altLang="en-US" smtClean="0"/>
-              <a:t>23-05-25</a:t>
+              <a:t>2023-05-25</a:t>
             </a:fld>
             <a:endParaRPr lang="ko-KR" altLang="en-US"/>
           </a:p>
@@ -809,7 +809,7 @@
           <a:p>
             <a:fld id="{F89B2ADE-916C-4CF5-80C7-78A417970858}" type="datetimeFigureOut">
               <a:rPr lang="ko-KR" altLang="en-US" smtClean="0"/>
-              <a:t>23-05-25</a:t>
+              <a:t>2023-05-25</a:t>
             </a:fld>
             <a:endParaRPr lang="ko-KR" altLang="en-US"/>
           </a:p>
@@ -1017,7 +1017,7 @@
           <a:p>
             <a:fld id="{F89B2ADE-916C-4CF5-80C7-78A417970858}" type="datetimeFigureOut">
               <a:rPr lang="ko-KR" altLang="en-US" smtClean="0"/>
-              <a:t>23-05-25</a:t>
+              <a:t>2023-05-25</a:t>
             </a:fld>
             <a:endParaRPr lang="ko-KR" altLang="en-US"/>
           </a:p>
@@ -1215,7 +1215,7 @@
           <a:p>
             <a:fld id="{F89B2ADE-916C-4CF5-80C7-78A417970858}" type="datetimeFigureOut">
               <a:rPr lang="ko-KR" altLang="en-US" smtClean="0"/>
-              <a:t>23-05-25</a:t>
+              <a:t>2023-05-25</a:t>
             </a:fld>
             <a:endParaRPr lang="ko-KR" altLang="en-US"/>
           </a:p>
@@ -1490,7 +1490,7 @@
           <a:p>
             <a:fld id="{F89B2ADE-916C-4CF5-80C7-78A417970858}" type="datetimeFigureOut">
               <a:rPr lang="ko-KR" altLang="en-US" smtClean="0"/>
-              <a:t>23-05-25</a:t>
+              <a:t>2023-05-25</a:t>
             </a:fld>
             <a:endParaRPr lang="ko-KR" altLang="en-US"/>
           </a:p>
@@ -1755,7 +1755,7 @@
           <a:p>
             <a:fld id="{F89B2ADE-916C-4CF5-80C7-78A417970858}" type="datetimeFigureOut">
               <a:rPr lang="ko-KR" altLang="en-US" smtClean="0"/>
-              <a:t>23-05-25</a:t>
+              <a:t>2023-05-25</a:t>
             </a:fld>
             <a:endParaRPr lang="ko-KR" altLang="en-US"/>
           </a:p>
@@ -2167,7 +2167,7 @@
           <a:p>
             <a:fld id="{F89B2ADE-916C-4CF5-80C7-78A417970858}" type="datetimeFigureOut">
               <a:rPr lang="ko-KR" altLang="en-US" smtClean="0"/>
-              <a:t>23-05-25</a:t>
+              <a:t>2023-05-25</a:t>
             </a:fld>
             <a:endParaRPr lang="ko-KR" altLang="en-US"/>
           </a:p>
@@ -2308,7 +2308,7 @@
           <a:p>
             <a:fld id="{F89B2ADE-916C-4CF5-80C7-78A417970858}" type="datetimeFigureOut">
               <a:rPr lang="ko-KR" altLang="en-US" smtClean="0"/>
-              <a:t>23-05-25</a:t>
+              <a:t>2023-05-25</a:t>
             </a:fld>
             <a:endParaRPr lang="ko-KR" altLang="en-US"/>
           </a:p>
@@ -2421,7 +2421,7 @@
           <a:p>
             <a:fld id="{F89B2ADE-916C-4CF5-80C7-78A417970858}" type="datetimeFigureOut">
               <a:rPr lang="ko-KR" altLang="en-US" smtClean="0"/>
-              <a:t>23-05-25</a:t>
+              <a:t>2023-05-25</a:t>
             </a:fld>
             <a:endParaRPr lang="ko-KR" altLang="en-US"/>
           </a:p>
@@ -2732,7 +2732,7 @@
           <a:p>
             <a:fld id="{F89B2ADE-916C-4CF5-80C7-78A417970858}" type="datetimeFigureOut">
               <a:rPr lang="ko-KR" altLang="en-US" smtClean="0"/>
-              <a:t>23-05-25</a:t>
+              <a:t>2023-05-25</a:t>
             </a:fld>
             <a:endParaRPr lang="ko-KR" altLang="en-US"/>
           </a:p>
@@ -3020,7 +3020,7 @@
           <a:p>
             <a:fld id="{F89B2ADE-916C-4CF5-80C7-78A417970858}" type="datetimeFigureOut">
               <a:rPr lang="ko-KR" altLang="en-US" smtClean="0"/>
-              <a:t>23-05-25</a:t>
+              <a:t>2023-05-25</a:t>
             </a:fld>
             <a:endParaRPr lang="ko-KR" altLang="en-US"/>
           </a:p>
@@ -3261,7 +3261,7 @@
           <a:p>
             <a:fld id="{F89B2ADE-916C-4CF5-80C7-78A417970858}" type="datetimeFigureOut">
               <a:rPr lang="ko-KR" altLang="en-US" smtClean="0"/>
-              <a:t>23-05-25</a:t>
+              <a:t>2023-05-25</a:t>
             </a:fld>
             <a:endParaRPr lang="ko-KR" altLang="en-US"/>
           </a:p>
@@ -4493,7 +4493,7 @@
             <a:pPr algn="ctr"/>
             <a:r>
               <a:rPr lang="ko-KR" altLang="en-US" sz="1200" dirty="0"/>
-              <a:t>전달</a:t>
+              <a:t>닫기</a:t>
             </a:r>
           </a:p>
         </p:txBody>
@@ -4781,7 +4781,7 @@
         <p:spPr>
           <a:xfrm>
             <a:off x="7835984" y="3039927"/>
-            <a:ext cx="3241593" cy="1631216"/>
+            <a:ext cx="3241593" cy="1938992"/>
           </a:xfrm>
           <a:prstGeom prst="rect">
             <a:avLst/>
@@ -4939,6 +4939,36 @@
               <a:rPr lang="en-US" altLang="ko-KR" sz="1000" dirty="0"/>
               <a:t>“ alert</a:t>
             </a:r>
+          </a:p>
+          <a:p>
+            <a:endParaRPr lang="en-US" altLang="ko-KR" sz="1000" dirty="0"/>
+          </a:p>
+          <a:p>
+            <a:r>
+              <a:rPr lang="en-US" altLang="ko-KR" sz="1000" dirty="0"/>
+              <a:t>: [</a:t>
+            </a:r>
+            <a:r>
+              <a:rPr lang="ko-KR" altLang="en-US" sz="1000" dirty="0"/>
+              <a:t>닫기</a:t>
+            </a:r>
+            <a:r>
+              <a:rPr lang="en-US" altLang="ko-KR" sz="1000" dirty="0"/>
+              <a:t>] </a:t>
+            </a:r>
+            <a:r>
+              <a:rPr lang="ko-KR" altLang="en-US" sz="1000" dirty="0"/>
+              <a:t>클릭 시</a:t>
+            </a:r>
+            <a:r>
+              <a:rPr lang="en-US" altLang="ko-KR" sz="1000" dirty="0"/>
+              <a:t>, </a:t>
+            </a:r>
+            <a:r>
+              <a:rPr lang="ko-KR" altLang="en-US" sz="1000" dirty="0"/>
+              <a:t>화면 닫음</a:t>
+            </a:r>
+            <a:endParaRPr lang="en-US" altLang="ko-KR" sz="1000" dirty="0"/>
           </a:p>
         </p:txBody>
       </p:sp>
@@ -5018,6 +5048,55 @@
               <a:t>함수 활용</a:t>
             </a:r>
             <a:endParaRPr lang="en-US" altLang="ko-KR" dirty="0"/>
+          </a:p>
+        </p:txBody>
+      </p:sp>
+      <p:sp>
+        <p:nvSpPr>
+          <p:cNvPr id="2" name="사각형: 둥근 모서리 1">
+            <a:extLst>
+              <a:ext uri="{FF2B5EF4-FFF2-40B4-BE49-F238E27FC236}">
+                <a16:creationId xmlns:a16="http://schemas.microsoft.com/office/drawing/2014/main" id="{6DB7E96F-136E-52F6-B3BB-E8702136DF9C}"/>
+              </a:ext>
+            </a:extLst>
+          </p:cNvPr>
+          <p:cNvSpPr/>
+          <p:nvPr/>
+        </p:nvSpPr>
+        <p:spPr>
+          <a:xfrm>
+            <a:off x="9048912" y="2347807"/>
+            <a:ext cx="1019150" cy="280336"/>
+          </a:xfrm>
+          <a:prstGeom prst="roundRect">
+            <a:avLst/>
+          </a:prstGeom>
+        </p:spPr>
+        <p:style>
+          <a:lnRef idx="2">
+            <a:schemeClr val="accent1">
+              <a:shade val="50000"/>
+            </a:schemeClr>
+          </a:lnRef>
+          <a:fillRef idx="1">
+            <a:schemeClr val="accent1"/>
+          </a:fillRef>
+          <a:effectRef idx="0">
+            <a:schemeClr val="accent1"/>
+          </a:effectRef>
+          <a:fontRef idx="minor">
+            <a:schemeClr val="lt1"/>
+          </a:fontRef>
+        </p:style>
+        <p:txBody>
+          <a:bodyPr rtlCol="0" anchor="ctr"/>
+          <a:lstStyle/>
+          <a:p>
+            <a:pPr algn="ctr"/>
+            <a:r>
+              <a:rPr lang="ko-KR" altLang="en-US" sz="1200" dirty="0"/>
+              <a:t>전달</a:t>
+            </a:r>
           </a:p>
         </p:txBody>
       </p:sp>
